--- a/w1_OOP.pptx
+++ b/w1_OOP.pptx
@@ -224,7 +224,7 @@
           <a:p>
             <a:fld id="{AD28B2EF-1A80-4400-AB53-58D44E3FB11E}" type="datetimeFigureOut">
               <a:rPr lang="tr-TR" smtClean="0"/>
-              <a:t>19.02.2019</a:t>
+              <a:t>25.02.2019</a:t>
             </a:fld>
             <a:endParaRPr lang="tr-TR"/>
           </a:p>
@@ -10368,7 +10368,7 @@
       </p:sp>
       <p:pic>
         <p:nvPicPr>
-          <p:cNvPr id="3" name="Picture 2"/>
+          <p:cNvPr id="4" name="Picture 3"/>
           <p:cNvPicPr>
             <a:picLocks noChangeAspect="1"/>
           </p:cNvPicPr>
@@ -10382,8 +10382,8 @@
         </p:blipFill>
         <p:spPr>
           <a:xfrm>
-            <a:off x="3302093" y="1591964"/>
-            <a:ext cx="6143625" cy="4362450"/>
+            <a:off x="3260865" y="1440492"/>
+            <a:ext cx="5670267" cy="4822521"/>
           </a:xfrm>
           <a:prstGeom prst="rect">
             <a:avLst/>
